--- a/CG2F2017CS_Presentation.pptx
+++ b/CG2F2017CS_Presentation.pptx
@@ -171,7 +171,7 @@
             <a:fld id="{1D8BD707-D9CF-40AE-B4C6-C98DA3205C09}" type="datetimeFigureOut">
               <a:rPr lang="en-US" smtClean="0"/>
               <a:pPr/>
-              <a:t>11/12/2017</a:t>
+              <a:t>11/14/2017</a:t>
             </a:fld>
             <a:endParaRPr lang="en-US"/>
           </a:p>
@@ -890,7 +890,7 @@
             <a:fld id="{1D8BD707-D9CF-40AE-B4C6-C98DA3205C09}" type="datetimeFigureOut">
               <a:rPr lang="en-US" smtClean="0"/>
               <a:pPr/>
-              <a:t>11/12/2017</a:t>
+              <a:t>11/14/2017</a:t>
             </a:fld>
             <a:endParaRPr lang="en-US"/>
           </a:p>
@@ -1077,7 +1077,7 @@
             <a:fld id="{1D8BD707-D9CF-40AE-B4C6-C98DA3205C09}" type="datetimeFigureOut">
               <a:rPr lang="en-US" smtClean="0"/>
               <a:pPr/>
-              <a:t>11/12/2017</a:t>
+              <a:t>11/14/2017</a:t>
             </a:fld>
             <a:endParaRPr lang="en-US"/>
           </a:p>
@@ -1254,7 +1254,7 @@
             <a:fld id="{1D8BD707-D9CF-40AE-B4C6-C98DA3205C09}" type="datetimeFigureOut">
               <a:rPr lang="en-US" smtClean="0"/>
               <a:pPr/>
-              <a:t>11/12/2017</a:t>
+              <a:t>11/14/2017</a:t>
             </a:fld>
             <a:endParaRPr lang="en-US"/>
           </a:p>
@@ -2739,7 +2739,7 @@
             <a:fld id="{1D8BD707-D9CF-40AE-B4C6-C98DA3205C09}" type="datetimeFigureOut">
               <a:rPr lang="en-US" smtClean="0"/>
               <a:pPr/>
-              <a:t>11/12/2017</a:t>
+              <a:t>11/14/2017</a:t>
             </a:fld>
             <a:endParaRPr lang="en-US"/>
           </a:p>
@@ -3341,7 +3341,7 @@
             <a:fld id="{1D8BD707-D9CF-40AE-B4C6-C98DA3205C09}" type="datetimeFigureOut">
               <a:rPr lang="en-US" smtClean="0"/>
               <a:pPr/>
-              <a:t>11/12/2017</a:t>
+              <a:t>11/14/2017</a:t>
             </a:fld>
             <a:endParaRPr lang="en-US"/>
           </a:p>
@@ -3780,7 +3780,7 @@
             <a:fld id="{1D8BD707-D9CF-40AE-B4C6-C98DA3205C09}" type="datetimeFigureOut">
               <a:rPr lang="en-US" smtClean="0"/>
               <a:pPr/>
-              <a:t>11/12/2017</a:t>
+              <a:t>11/14/2017</a:t>
             </a:fld>
             <a:endParaRPr lang="en-US"/>
           </a:p>
@@ -4343,7 +4343,7 @@
             <a:fld id="{1D8BD707-D9CF-40AE-B4C6-C98DA3205C09}" type="datetimeFigureOut">
               <a:rPr lang="en-US" smtClean="0"/>
               <a:pPr/>
-              <a:t>11/12/2017</a:t>
+              <a:t>11/14/2017</a:t>
             </a:fld>
             <a:endParaRPr lang="en-US"/>
           </a:p>
@@ -4441,7 +4441,7 @@
             <a:fld id="{1D8BD707-D9CF-40AE-B4C6-C98DA3205C09}" type="datetimeFigureOut">
               <a:rPr lang="en-US" smtClean="0"/>
               <a:pPr/>
-              <a:t>11/12/2017</a:t>
+              <a:t>11/14/2017</a:t>
             </a:fld>
             <a:endParaRPr lang="en-US"/>
           </a:p>
@@ -4697,7 +4697,7 @@
             <a:fld id="{1D8BD707-D9CF-40AE-B4C6-C98DA3205C09}" type="datetimeFigureOut">
               <a:rPr lang="en-US" smtClean="0"/>
               <a:pPr/>
-              <a:t>11/12/2017</a:t>
+              <a:t>11/14/2017</a:t>
             </a:fld>
             <a:endParaRPr lang="en-US"/>
           </a:p>
@@ -5420,7 +5420,7 @@
             <a:fld id="{1D8BD707-D9CF-40AE-B4C6-C98DA3205C09}" type="datetimeFigureOut">
               <a:rPr lang="en-US" smtClean="0"/>
               <a:pPr/>
-              <a:t>11/12/2017</a:t>
+              <a:t>11/14/2017</a:t>
             </a:fld>
             <a:endParaRPr lang="en-US"/>
           </a:p>
@@ -6095,7 +6095,7 @@
             <a:fld id="{1D8BD707-D9CF-40AE-B4C6-C98DA3205C09}" type="datetimeFigureOut">
               <a:rPr lang="en-US" smtClean="0"/>
               <a:pPr/>
-              <a:t>11/12/2017</a:t>
+              <a:t>11/14/2017</a:t>
             </a:fld>
             <a:endParaRPr lang="en-US"/>
           </a:p>
@@ -6766,7 +6766,6 @@
               <a:rPr lang="en-US" dirty="0" smtClean="0"/>
               <a:t>Plus higher abstraction levels</a:t>
             </a:r>
-            <a:endParaRPr lang="en-US" dirty="0" smtClean="0"/>
           </a:p>
           <a:p>
             <a:pPr lvl="1"/>
@@ -6957,13 +6956,8 @@
           <a:p>
             <a:r>
               <a:rPr lang="en-US" dirty="0" smtClean="0"/>
-              <a:t>Environmental </a:t>
-            </a:r>
-            <a:r>
-              <a:rPr lang="en-US" dirty="0" smtClean="0"/>
-              <a:t>mapping</a:t>
-            </a:r>
-            <a:endParaRPr lang="en-US" dirty="0" smtClean="0"/>
+              <a:t>Environmental mapping</a:t>
+            </a:r>
           </a:p>
         </p:txBody>
       </p:sp>
@@ -7450,11 +7444,7 @@
           <a:p>
             <a:r>
               <a:rPr lang="en-US" dirty="0" smtClean="0"/>
-              <a:t>Level of Detail (LOD) </a:t>
-            </a:r>
-            <a:r>
-              <a:rPr lang="en-US" dirty="0" smtClean="0"/>
-              <a:t>Programming</a:t>
+              <a:t>Level of Detail (LOD) Programming</a:t>
             </a:r>
             <a:endParaRPr lang="en-US" dirty="0"/>
           </a:p>
@@ -7479,11 +7469,7 @@
           <a:p>
             <a:r>
               <a:rPr lang="en-US" dirty="0" smtClean="0"/>
-              <a:t>LOD </a:t>
-            </a:r>
-            <a:r>
-              <a:rPr lang="en-US" dirty="0" smtClean="0"/>
-              <a:t>allows varying representations</a:t>
+              <a:t>LOD allows varying representations</a:t>
             </a:r>
           </a:p>
           <a:p>
@@ -7508,11 +7494,7 @@
             <a:pPr lvl="1"/>
             <a:r>
               <a:rPr lang="en-US" dirty="0" smtClean="0"/>
-              <a:t>Requires many different </a:t>
-            </a:r>
-            <a:r>
-              <a:rPr lang="en-US" dirty="0" smtClean="0"/>
-              <a:t>representations</a:t>
+              <a:t>Requires many different representations</a:t>
             </a:r>
           </a:p>
           <a:p>
@@ -7866,7 +7848,6 @@
               <a:rPr lang="en-US" dirty="0" smtClean="0"/>
               <a:t>Examples</a:t>
             </a:r>
-            <a:endParaRPr lang="en-US" dirty="0" smtClean="0"/>
           </a:p>
           <a:p>
             <a:r>
@@ -7963,30 +7944,14 @@
             </a:r>
             <a:r>
               <a:rPr lang="en-US" dirty="0" smtClean="0"/>
-              <a:t> build using #</a:t>
-            </a:r>
-            <a:r>
-              <a:rPr lang="en-US" dirty="0" smtClean="0"/>
-              <a:t>define: </a:t>
-            </a:r>
-            <a:r>
-              <a:rPr lang="en-US" dirty="0" smtClean="0"/>
-              <a:t>variants</a:t>
+              <a:t> build using #define: variants</a:t>
             </a:r>
           </a:p>
           <a:p>
             <a:pPr lvl="1"/>
             <a:r>
               <a:rPr lang="en-US" dirty="0" smtClean="0"/>
-              <a:t>Not </a:t>
-            </a:r>
-            <a:r>
-              <a:rPr lang="en-US" dirty="0" smtClean="0"/>
-              <a:t>ideal </a:t>
-            </a:r>
-            <a:r>
-              <a:rPr lang="en-US" dirty="0" smtClean="0"/>
-              <a:t>method for modularity</a:t>
+              <a:t>Not ideal method for modularity</a:t>
             </a:r>
           </a:p>
           <a:p>
@@ -8000,30 +7965,14 @@
             </a:r>
             <a:r>
               <a:rPr lang="en-US" dirty="0" smtClean="0"/>
-              <a:t> </a:t>
-            </a:r>
-            <a:r>
-              <a:rPr lang="en-US" dirty="0" smtClean="0"/>
-              <a:t>variants: more </a:t>
-            </a:r>
-            <a:r>
-              <a:rPr lang="en-US" dirty="0" smtClean="0"/>
-              <a:t>CPU time</a:t>
+              <a:t> variants: more CPU time</a:t>
             </a:r>
           </a:p>
           <a:p>
             <a:pPr lvl="1"/>
             <a:r>
               <a:rPr lang="en-US" dirty="0" smtClean="0"/>
-              <a:t>Bind </a:t>
-            </a:r>
-            <a:r>
-              <a:rPr lang="en-US" dirty="0" smtClean="0"/>
-              <a:t>new parameters </a:t>
-            </a:r>
-            <a:r>
-              <a:rPr lang="en-US" dirty="0" smtClean="0"/>
-              <a:t>each </a:t>
+              <a:t>Bind new parameters each </a:t>
             </a:r>
             <a:r>
               <a:rPr lang="en-US" dirty="0" err="1" smtClean="0"/>
@@ -8201,15 +8150,7 @@
           <a:p>
             <a:r>
               <a:rPr lang="en-US" dirty="0" smtClean="0"/>
-              <a:t>Only </a:t>
-            </a:r>
-            <a:r>
-              <a:rPr lang="en-US" dirty="0" smtClean="0"/>
-              <a:t>bind </a:t>
-            </a:r>
-            <a:r>
-              <a:rPr lang="en-US" dirty="0" smtClean="0"/>
-              <a:t>changed parameters</a:t>
+              <a:t>Only bind changed parameters</a:t>
             </a:r>
           </a:p>
           <a:p>
@@ -8223,11 +8164,7 @@
             <a:pPr lvl="1"/>
             <a:r>
               <a:rPr lang="en-US" dirty="0" smtClean="0"/>
-              <a:t>More time </a:t>
-            </a:r>
-            <a:r>
-              <a:rPr lang="en-US" dirty="0" smtClean="0"/>
-              <a:t>for GPU</a:t>
+              <a:t>More time for GPU</a:t>
             </a:r>
             <a:endParaRPr lang="en-US" dirty="0"/>
           </a:p>
@@ -8343,6 +8280,10 @@
           <a:bodyPr/>
           <a:lstStyle/>
           <a:p>
+            <a:r>
+              <a:rPr lang="en-US" dirty="0" smtClean="0"/>
+              <a:t>VR Applications</a:t>
+            </a:r>
             <a:endParaRPr lang="en-US" dirty="0"/>
           </a:p>
         </p:txBody>
@@ -8454,21 +8395,13 @@
             </a:r>
             <a:r>
               <a:rPr lang="en-US" dirty="0" smtClean="0"/>
-              <a:t> are </a:t>
-            </a:r>
-            <a:r>
-              <a:rPr lang="en-US" dirty="0" smtClean="0"/>
-              <a:t>useful</a:t>
-            </a:r>
-          </a:p>
-          <a:p>
-            <a:r>
-              <a:rPr lang="en-US" dirty="0" smtClean="0"/>
-              <a:t>Improve </a:t>
-            </a:r>
-            <a:r>
-              <a:rPr lang="en-US" dirty="0" smtClean="0"/>
-              <a:t>performance and user comfort</a:t>
+              <a:t> are useful</a:t>
+            </a:r>
+          </a:p>
+          <a:p>
+            <a:r>
+              <a:rPr lang="en-US" dirty="0" smtClean="0"/>
+              <a:t>Improve performance and user comfort</a:t>
             </a:r>
           </a:p>
           <a:p>
@@ -8566,15 +8499,7 @@
           <a:p>
             <a:r>
               <a:rPr lang="en-US" dirty="0" smtClean="0"/>
-              <a:t>GPU </a:t>
-            </a:r>
-            <a:r>
-              <a:rPr lang="en-US" dirty="0" smtClean="0"/>
-              <a:t>increasing </a:t>
-            </a:r>
-            <a:r>
-              <a:rPr lang="en-US" dirty="0" smtClean="0"/>
-              <a:t>more programmable</a:t>
+              <a:t>GPU increasing more programmable</a:t>
             </a:r>
           </a:p>
           <a:p>
@@ -8584,15 +8509,7 @@
             </a:r>
             <a:r>
               <a:rPr lang="en-US" dirty="0" smtClean="0"/>
-              <a:t> </a:t>
-            </a:r>
-            <a:r>
-              <a:rPr lang="en-US" dirty="0" smtClean="0"/>
-              <a:t>programs more </a:t>
-            </a:r>
-            <a:r>
-              <a:rPr lang="en-US" dirty="0" smtClean="0"/>
-              <a:t>object oriented?</a:t>
+              <a:t> programs more object oriented?</a:t>
             </a:r>
           </a:p>
           <a:p>
@@ -9486,13 +9403,8 @@
             <a:pPr lvl="1"/>
             <a:r>
               <a:rPr lang="en-US" dirty="0" smtClean="0"/>
-              <a:t>Fixed </a:t>
-            </a:r>
-            <a:r>
-              <a:rPr lang="en-US" dirty="0" smtClean="0"/>
-              <a:t>function limited configuration</a:t>
-            </a:r>
-            <a:endParaRPr lang="en-US" dirty="0" smtClean="0"/>
+              <a:t>Fixed function limited configuration</a:t>
+            </a:r>
           </a:p>
           <a:p>
             <a:pPr lvl="1"/>
@@ -9500,7 +9412,6 @@
               <a:rPr lang="en-US" dirty="0" smtClean="0"/>
               <a:t>Higher performance</a:t>
             </a:r>
-            <a:endParaRPr lang="en-US" dirty="0" smtClean="0"/>
           </a:p>
         </p:txBody>
       </p:sp>
@@ -9569,22 +9480,14 @@
           <a:p>
             <a:r>
               <a:rPr lang="en-US" dirty="0" smtClean="0"/>
-              <a:t>Common baseline </a:t>
-            </a:r>
-            <a:r>
-              <a:rPr lang="en-US" dirty="0" smtClean="0"/>
-              <a:t>for graphics applications</a:t>
+              <a:t>Common baseline for graphics applications</a:t>
             </a:r>
           </a:p>
           <a:p>
             <a:pPr lvl="1"/>
             <a:r>
               <a:rPr lang="en-US" dirty="0" smtClean="0"/>
-              <a:t>Rendering details </a:t>
-            </a:r>
-            <a:r>
-              <a:rPr lang="en-US" dirty="0" smtClean="0"/>
-              <a:t>could vary somewhat</a:t>
+              <a:t>Rendering details could vary somewhat</a:t>
             </a:r>
           </a:p>
           <a:p>
@@ -9597,22 +9500,14 @@
             <a:pPr lvl="1"/>
             <a:r>
               <a:rPr lang="en-US" dirty="0" smtClean="0"/>
-              <a:t>Hardware provided </a:t>
-            </a:r>
-            <a:r>
-              <a:rPr lang="en-US" dirty="0" smtClean="0"/>
-              <a:t>performance </a:t>
+              <a:t>Hardware provided performance </a:t>
             </a:r>
           </a:p>
           <a:p>
             <a:pPr lvl="1"/>
             <a:r>
               <a:rPr lang="en-US" dirty="0" smtClean="0"/>
-              <a:t>while </a:t>
-            </a:r>
-            <a:r>
-              <a:rPr lang="en-US" dirty="0" smtClean="0"/>
-              <a:t>limiting features</a:t>
+              <a:t>while limiting features</a:t>
             </a:r>
           </a:p>
           <a:p>
@@ -10761,40 +10656,18 @@
               <a:rPr lang="en-US" dirty="0" smtClean="0"/>
               <a:t>I.E. lighting</a:t>
             </a:r>
-            <a:endParaRPr lang="en-US" dirty="0" smtClean="0"/>
           </a:p>
           <a:p>
             <a:pPr lvl="1"/>
             <a:r>
               <a:rPr lang="en-US" dirty="0" smtClean="0"/>
-              <a:t>Small program </a:t>
-            </a:r>
-            <a:r>
-              <a:rPr lang="en-US" dirty="0" smtClean="0"/>
-              <a:t>for custom algorithm</a:t>
-            </a:r>
-            <a:endParaRPr lang="en-US" dirty="0" smtClean="0"/>
-          </a:p>
-          <a:p>
-            <a:r>
-              <a:rPr lang="en-US" dirty="0" smtClean="0"/>
-              <a:t>P</a:t>
-            </a:r>
-            <a:r>
-              <a:rPr lang="en-US" dirty="0" smtClean="0"/>
-              <a:t>rogrammable </a:t>
-            </a:r>
-            <a:r>
-              <a:rPr lang="en-US" dirty="0" smtClean="0"/>
-              <a:t>stages </a:t>
-            </a:r>
-            <a:r>
-              <a:rPr lang="en-US" dirty="0" smtClean="0"/>
-              <a:t>introduced </a:t>
-            </a:r>
-            <a:r>
-              <a:rPr lang="en-US" dirty="0" smtClean="0"/>
-              <a:t>in pipeline</a:t>
+              <a:t>Small program for custom algorithm</a:t>
+            </a:r>
+          </a:p>
+          <a:p>
+            <a:r>
+              <a:rPr lang="en-US" dirty="0" smtClean="0"/>
+              <a:t>Programmable stages introduced in pipeline</a:t>
             </a:r>
           </a:p>
           <a:p>
@@ -10816,13 +10689,8 @@
             <a:pPr lvl="1"/>
             <a:r>
               <a:rPr lang="en-US" dirty="0" smtClean="0"/>
-              <a:t>Pixel (fragment), vertex, geometry, tessellation, etc</a:t>
-            </a:r>
-            <a:r>
-              <a:rPr lang="en-US" dirty="0" smtClean="0"/>
-              <a:t>.</a:t>
-            </a:r>
-            <a:endParaRPr lang="en-US" dirty="0" smtClean="0"/>
+              <a:t>Pixel (fragment), vertex, geometry, tessellation, etc.</a:t>
+            </a:r>
           </a:p>
         </p:txBody>
       </p:sp>
@@ -10905,51 +10773,26 @@
           <a:p>
             <a:r>
               <a:rPr lang="en-US" dirty="0" smtClean="0"/>
-              <a:t>Multiple algorithms </a:t>
-            </a:r>
-            <a:r>
-              <a:rPr lang="en-US" dirty="0" smtClean="0"/>
-              <a:t>per scene, per object</a:t>
-            </a:r>
-          </a:p>
-          <a:p>
-            <a:r>
-              <a:rPr lang="en-US" dirty="0" smtClean="0"/>
-              <a:t>Faster </a:t>
-            </a:r>
-            <a:r>
-              <a:rPr lang="en-US" dirty="0" smtClean="0"/>
-              <a:t>hardware: </a:t>
-            </a:r>
-            <a:r>
-              <a:rPr lang="en-US" dirty="0" smtClean="0"/>
-              <a:t>more complex </a:t>
-            </a:r>
-            <a:r>
-              <a:rPr lang="en-US" dirty="0" smtClean="0"/>
-              <a:t>combinations</a:t>
-            </a:r>
-            <a:endParaRPr lang="en-US" dirty="0" smtClean="0"/>
-          </a:p>
-          <a:p>
-            <a:r>
-              <a:rPr lang="en-US" dirty="0" smtClean="0"/>
-              <a:t>Fixed function-&gt;programmable-&gt;unified </a:t>
-            </a:r>
-            <a:r>
-              <a:rPr lang="en-US" dirty="0" smtClean="0"/>
-              <a:t>architecture</a:t>
+              <a:t>Multiple algorithms per scene, per object</a:t>
+            </a:r>
+          </a:p>
+          <a:p>
+            <a:r>
+              <a:rPr lang="en-US" dirty="0" smtClean="0"/>
+              <a:t>Faster hardware: more complex combinations</a:t>
+            </a:r>
+          </a:p>
+          <a:p>
+            <a:r>
+              <a:rPr lang="en-US" dirty="0" smtClean="0"/>
+              <a:t>Fixed function-&gt;programmable-&gt;unified architecture</a:t>
             </a:r>
           </a:p>
           <a:p>
             <a:pPr lvl="1"/>
             <a:r>
               <a:rPr lang="en-US" dirty="0" smtClean="0"/>
-              <a:t>More </a:t>
-            </a:r>
-            <a:r>
-              <a:rPr lang="en-US" dirty="0" smtClean="0"/>
-              <a:t>control over rendering</a:t>
+              <a:t>More control over rendering</a:t>
             </a:r>
           </a:p>
           <a:p>
@@ -11032,11 +10875,7 @@
           <a:p>
             <a:r>
               <a:rPr lang="en-US" dirty="0" smtClean="0"/>
-              <a:t>GPU resembling </a:t>
-            </a:r>
-            <a:r>
-              <a:rPr lang="en-US" dirty="0" smtClean="0"/>
-              <a:t>operating system</a:t>
+              <a:t>GPU resembling operating system</a:t>
             </a:r>
           </a:p>
           <a:p>
@@ -11052,21 +10891,13 @@
           <a:p>
             <a:r>
               <a:rPr lang="en-US" dirty="0" smtClean="0"/>
-              <a:t>Multiple “</a:t>
-            </a:r>
-            <a:r>
-              <a:rPr lang="en-US" dirty="0" smtClean="0"/>
-              <a:t>threads”</a:t>
-            </a:r>
-          </a:p>
-          <a:p>
-            <a:r>
-              <a:rPr lang="en-US" dirty="0" smtClean="0"/>
-              <a:t>Multiple </a:t>
-            </a:r>
-            <a:r>
-              <a:rPr lang="en-US" dirty="0" smtClean="0"/>
-              <a:t>“cores”</a:t>
+              <a:t>Multiple “threads”</a:t>
+            </a:r>
+          </a:p>
+          <a:p>
+            <a:r>
+              <a:rPr lang="en-US" dirty="0" smtClean="0"/>
+              <a:t>Multiple “cores”</a:t>
             </a:r>
           </a:p>
           <a:p>
